--- a/lectures/lec9/Lec9b-Cascade-Analysis.pptx
+++ b/lectures/lec9/Lec9b-Cascade-Analysis.pptx
@@ -299,7 +299,7 @@
             <a:fld id="{F33530C9-BF13-40EE-A1EC-EBBB0134EBBA}" type="datetime1">
               <a:rPr lang="en-US"/>
               <a:pPr/>
-              <a:t>11/19/2015</a:t>
+              <a:t>11/20/2015</a:t>
             </a:fld>
             <a:endParaRPr lang="en-US" dirty="0"/>
           </a:p>
@@ -517,7 +517,7 @@
             <a:fld id="{7DD20F8F-B3A0-465C-A2C5-4272F8BE0711}" type="datetime1">
               <a:rPr lang="en-US"/>
               <a:pPr/>
-              <a:t>11/19/2015</a:t>
+              <a:t>11/20/2015</a:t>
             </a:fld>
             <a:endParaRPr lang="en-US" dirty="0"/>
           </a:p>
@@ -916,7 +916,7 @@
             <a:fld id="{7DD20F8F-B3A0-465C-A2C5-4272F8BE0711}" type="datetime1">
               <a:rPr lang="en-US" smtClean="0"/>
               <a:pPr/>
-              <a:t>11/19/2015</a:t>
+              <a:t>11/20/2015</a:t>
             </a:fld>
             <a:endParaRPr lang="en-US"/>
           </a:p>
@@ -2735,16 +2735,7 @@
                 </a:solidFill>
                 <a:latin typeface="Myriad Pro" panose="020B0503030403020204" pitchFamily="34" charset="0"/>
               </a:rPr>
-              <a:t>9b: System </a:t>
-            </a:r>
-            <a:r>
-              <a:rPr lang="en-US" sz="3200" dirty="0" smtClean="0">
-                <a:solidFill>
-                  <a:srgbClr val="091D58"/>
-                </a:solidFill>
-                <a:latin typeface="Myriad Pro" panose="020B0503030403020204" pitchFamily="34" charset="0"/>
-              </a:rPr>
-              <a:t>Analysis</a:t>
+              <a:t>9b: System Analysis</a:t>
             </a:r>
             <a:endParaRPr lang="en-US" sz="3200" dirty="0">
               <a:solidFill>
@@ -2870,12 +2861,6 @@
               </a:rPr>
               <a:t>2.400 GHz</a:t>
             </a:r>
-            <a:endParaRPr lang="en-US" sz="1800" dirty="0" smtClean="0">
-              <a:solidFill>
-                <a:srgbClr val="000000"/>
-              </a:solidFill>
-              <a:latin typeface="+mj-lt"/>
-            </a:endParaRPr>
           </a:p>
         </p:txBody>
       </p:sp>
@@ -2910,12 +2895,6 @@
               </a:rPr>
               <a:t>2.370 GHz</a:t>
             </a:r>
-            <a:endParaRPr lang="en-US" sz="1800" dirty="0" smtClean="0">
-              <a:solidFill>
-                <a:srgbClr val="000000"/>
-              </a:solidFill>
-              <a:latin typeface="+mj-lt"/>
-            </a:endParaRPr>
           </a:p>
         </p:txBody>
       </p:sp>
@@ -2959,12 +2938,6 @@
               </a:rPr>
               <a:t>0 MHz</a:t>
             </a:r>
-            <a:endParaRPr lang="en-US" sz="1800" dirty="0" smtClean="0">
-              <a:solidFill>
-                <a:srgbClr val="000000"/>
-              </a:solidFill>
-              <a:latin typeface="+mj-lt"/>
-            </a:endParaRPr>
           </a:p>
         </p:txBody>
       </p:sp>
@@ -2992,6 +2965,48 @@
           </a:prstGeom>
         </p:spPr>
       </p:pic>
+      <p:sp>
+        <p:nvSpPr>
+          <p:cNvPr id="3" name="TextBox 2"/>
+          <p:cNvSpPr txBox="1"/>
+          <p:nvPr/>
+        </p:nvSpPr>
+        <p:spPr>
+          <a:xfrm>
+            <a:off x="5040304" y="4980333"/>
+            <a:ext cx="126638" cy="138499"/>
+          </a:xfrm>
+          <a:prstGeom prst="rect">
+            <a:avLst/>
+          </a:prstGeom>
+          <a:solidFill>
+            <a:srgbClr val="FFFFFF"/>
+          </a:solidFill>
+        </p:spPr>
+        <p:txBody>
+          <a:bodyPr wrap="none" lIns="0" tIns="0" rIns="0" bIns="0" rtlCol="0">
+            <a:spAutoFit/>
+          </a:bodyPr>
+          <a:lstStyle/>
+          <a:p>
+            <a:r>
+              <a:rPr lang="en-US" sz="900" dirty="0" smtClean="0">
+                <a:solidFill>
+                  <a:schemeClr val="bg1"/>
+                </a:solidFill>
+                <a:latin typeface="+mj-lt"/>
+              </a:rPr>
+              <a:t>-7</a:t>
+            </a:r>
+            <a:endParaRPr lang="en-US" sz="900" dirty="0" smtClean="0">
+              <a:solidFill>
+                <a:schemeClr val="bg1"/>
+              </a:solidFill>
+              <a:latin typeface="+mj-lt"/>
+            </a:endParaRPr>
+          </a:p>
+        </p:txBody>
+      </p:sp>
     </p:spTree>
     <p:extLst>
       <p:ext uri="{BB962C8B-B14F-4D97-AF65-F5344CB8AC3E}">
@@ -3107,12 +3122,6 @@
               </a:rPr>
               <a:t>2.400 GHz</a:t>
             </a:r>
-            <a:endParaRPr lang="en-US" sz="1800" dirty="0" smtClean="0">
-              <a:solidFill>
-                <a:srgbClr val="000000"/>
-              </a:solidFill>
-              <a:latin typeface="+mj-lt"/>
-            </a:endParaRPr>
           </a:p>
         </p:txBody>
       </p:sp>
@@ -3147,12 +3156,6 @@
               </a:rPr>
               <a:t>2.370 GHz</a:t>
             </a:r>
-            <a:endParaRPr lang="en-US" sz="1800" dirty="0" smtClean="0">
-              <a:solidFill>
-                <a:srgbClr val="000000"/>
-              </a:solidFill>
-              <a:latin typeface="+mj-lt"/>
-            </a:endParaRPr>
           </a:p>
         </p:txBody>
       </p:sp>
@@ -3196,12 +3199,6 @@
               </a:rPr>
               <a:t>0 MHz</a:t>
             </a:r>
-            <a:endParaRPr lang="en-US" sz="1800" dirty="0" smtClean="0">
-              <a:solidFill>
-                <a:srgbClr val="000000"/>
-              </a:solidFill>
-              <a:latin typeface="+mj-lt"/>
-            </a:endParaRPr>
           </a:p>
         </p:txBody>
       </p:sp>
@@ -3649,13 +3646,6 @@
               </a:rPr>
               <a:t> formula</a:t>
             </a:r>
-            <a:endParaRPr lang="en-US" sz="3000" dirty="0" smtClean="0">
-              <a:solidFill>
-                <a:srgbClr val="4D4D4D"/>
-              </a:solidFill>
-              <a:latin typeface="Kalinga" panose="020B0502040204020203" pitchFamily="34" charset="0"/>
-              <a:cs typeface="Kalinga" panose="020B0502040204020203" pitchFamily="34" charset="0"/>
-            </a:endParaRPr>
           </a:p>
         </p:txBody>
       </p:sp>
@@ -4682,7 +4672,7 @@
       </p:sp>
       <p:pic>
         <p:nvPicPr>
-          <p:cNvPr id="5" name="Picture 4"/>
+          <p:cNvPr id="4" name="Picture 3"/>
           <p:cNvPicPr>
             <a:picLocks noChangeAspect="1"/>
           </p:cNvPicPr>
@@ -5145,7 +5135,7 @@
           <a:graphicData uri="http://schemas.openxmlformats.org/presentationml/2006/ole">
             <mc:AlternateContent xmlns:mc="http://schemas.openxmlformats.org/markup-compatibility/2006">
               <mc:Choice xmlns:v="urn:schemas-microsoft-com:vml" Requires="v">
-                <p:oleObj spid="_x0000_s17428" name="Equation" r:id="rId5" imgW="2501640" imgH="431640" progId="Equation.3">
+                <p:oleObj spid="_x0000_s17430" name="Equation" r:id="rId5" imgW="2501640" imgH="431640" progId="Equation.3">
                   <p:embed/>
                 </p:oleObj>
               </mc:Choice>
@@ -5213,7 +5203,7 @@
           <a:graphicData uri="http://schemas.openxmlformats.org/presentationml/2006/ole">
             <mc:AlternateContent xmlns:mc="http://schemas.openxmlformats.org/markup-compatibility/2006">
               <mc:Choice xmlns:v="urn:schemas-microsoft-com:vml" Requires="v">
-                <p:oleObj spid="_x0000_s17429" name="Equation" r:id="rId7" imgW="825480" imgH="228600" progId="Equation.3">
+                <p:oleObj spid="_x0000_s17431" name="Equation" r:id="rId7" imgW="825480" imgH="228600" progId="Equation.3">
                   <p:embed/>
                 </p:oleObj>
               </mc:Choice>
@@ -5422,7 +5412,7 @@
           <a:graphicData uri="http://schemas.openxmlformats.org/presentationml/2006/ole">
             <mc:AlternateContent xmlns:mc="http://schemas.openxmlformats.org/markup-compatibility/2006">
               <mc:Choice xmlns:v="urn:schemas-microsoft-com:vml" Requires="v">
-                <p:oleObj spid="_x0000_s18452" name="Equation" r:id="rId3" imgW="876240" imgH="228600" progId="Equation.DSMT4">
+                <p:oleObj spid="_x0000_s18454" name="Equation" r:id="rId3" imgW="876240" imgH="228600" progId="Equation.DSMT4">
                   <p:embed/>
                 </p:oleObj>
               </mc:Choice>
@@ -5498,7 +5488,7 @@
           <a:graphicData uri="http://schemas.openxmlformats.org/presentationml/2006/ole">
             <mc:AlternateContent xmlns:mc="http://schemas.openxmlformats.org/markup-compatibility/2006">
               <mc:Choice xmlns:v="urn:schemas-microsoft-com:vml" Requires="v">
-                <p:oleObj spid="_x0000_s18453" name="Equation" r:id="rId5" imgW="5003640" imgH="711000" progId="Equation.DSMT4">
+                <p:oleObj spid="_x0000_s18455" name="Equation" r:id="rId5" imgW="5003640" imgH="711000" progId="Equation.DSMT4">
                   <p:embed/>
                 </p:oleObj>
               </mc:Choice>
@@ -6936,9 +6926,9 @@
 <p:tagLst xmlns:a="http://schemas.openxmlformats.org/drawingml/2006/main" xmlns:r="http://schemas.openxmlformats.org/officeDocument/2006/relationships" xmlns:p="http://schemas.openxmlformats.org/presentationml/2006/main">
   <p:tag name="ORIGINALHEIGHT" val="276"/>
   <p:tag name="ORIGINALWIDTH" val="1172.25"/>
-  <p:tag name="LATEXADDIN" val="\documentclass{article}&#10;\usepackage{amsmath}&#10;\pagestyle{empty}&#10;\begin{document}&#10;&#10;\[&#10;10\log_{10}\frac{SNR_o}{SNR_i} = NF&#10;\]&#10;&#10;&#10;&#10;\end{document}"/>
+  <p:tag name="LATEXADDIN" val="\documentclass{article}&#10;\usepackage{amsmath}&#10;\pagestyle{empty}&#10;\begin{document}&#10;&#10;\[&#10;10\log_{10}\frac{SNR_i}{SNR_o} = NF&#10;\]&#10;&#10;&#10;&#10;\end{document}"/>
   <p:tag name="IGUANATEXSIZE" val="20"/>
-  <p:tag name="IGUANATEXCURSOR" val="86"/>
+  <p:tag name="IGUANATEXCURSOR" val="113"/>
 </p:tagLst>
 </file>
 

--- a/lectures/lec9/Lec9b-Cascade-Analysis.pptx
+++ b/lectures/lec9/Lec9b-Cascade-Analysis.pptx
@@ -299,7 +299,7 @@
             <a:fld id="{F33530C9-BF13-40EE-A1EC-EBBB0134EBBA}" type="datetime1">
               <a:rPr lang="en-US"/>
               <a:pPr/>
-              <a:t>11/20/2015</a:t>
+              <a:t>11/20/2015 Friday</a:t>
             </a:fld>
             <a:endParaRPr lang="en-US" dirty="0"/>
           </a:p>
@@ -517,7 +517,7 @@
             <a:fld id="{7DD20F8F-B3A0-465C-A2C5-4272F8BE0711}" type="datetime1">
               <a:rPr lang="en-US"/>
               <a:pPr/>
-              <a:t>11/20/2015</a:t>
+              <a:t>11/20/2015 Friday</a:t>
             </a:fld>
             <a:endParaRPr lang="en-US" dirty="0"/>
           </a:p>
@@ -916,7 +916,7 @@
             <a:fld id="{7DD20F8F-B3A0-465C-A2C5-4272F8BE0711}" type="datetime1">
               <a:rPr lang="en-US" smtClean="0"/>
               <a:pPr/>
-              <a:t>11/20/2015</a:t>
+              <a:t>11/20/2015 Friday</a:t>
             </a:fld>
             <a:endParaRPr lang="en-US"/>
           </a:p>
@@ -2943,7 +2943,7 @@
       </p:sp>
       <p:pic>
         <p:nvPicPr>
-          <p:cNvPr id="7" name="Picture 6"/>
+          <p:cNvPr id="4" name="Picture 3"/>
           <p:cNvPicPr>
             <a:picLocks noChangeAspect="1"/>
           </p:cNvPicPr>
@@ -2957,56 +2957,14 @@
         </p:blipFill>
         <p:spPr>
           <a:xfrm>
-            <a:off x="1121089" y="3165481"/>
-            <a:ext cx="6906396" cy="3629704"/>
+            <a:off x="1051063" y="3165481"/>
+            <a:ext cx="7200900" cy="3638550"/>
           </a:xfrm>
           <a:prstGeom prst="rect">
             <a:avLst/>
           </a:prstGeom>
         </p:spPr>
       </p:pic>
-      <p:sp>
-        <p:nvSpPr>
-          <p:cNvPr id="3" name="TextBox 2"/>
-          <p:cNvSpPr txBox="1"/>
-          <p:nvPr/>
-        </p:nvSpPr>
-        <p:spPr>
-          <a:xfrm>
-            <a:off x="5040304" y="4980333"/>
-            <a:ext cx="126638" cy="138499"/>
-          </a:xfrm>
-          <a:prstGeom prst="rect">
-            <a:avLst/>
-          </a:prstGeom>
-          <a:solidFill>
-            <a:srgbClr val="FFFFFF"/>
-          </a:solidFill>
-        </p:spPr>
-        <p:txBody>
-          <a:bodyPr wrap="none" lIns="0" tIns="0" rIns="0" bIns="0" rtlCol="0">
-            <a:spAutoFit/>
-          </a:bodyPr>
-          <a:lstStyle/>
-          <a:p>
-            <a:r>
-              <a:rPr lang="en-US" sz="900" dirty="0" smtClean="0">
-                <a:solidFill>
-                  <a:schemeClr val="bg1"/>
-                </a:solidFill>
-                <a:latin typeface="+mj-lt"/>
-              </a:rPr>
-              <a:t>-7</a:t>
-            </a:r>
-            <a:endParaRPr lang="en-US" sz="900" dirty="0" smtClean="0">
-              <a:solidFill>
-                <a:schemeClr val="bg1"/>
-              </a:solidFill>
-              <a:latin typeface="+mj-lt"/>
-            </a:endParaRPr>
-          </a:p>
-        </p:txBody>
-      </p:sp>
     </p:spTree>
     <p:extLst>
       <p:ext uri="{BB962C8B-B14F-4D97-AF65-F5344CB8AC3E}">
@@ -3099,7 +3057,7 @@
         </p:nvSpPr>
         <p:spPr>
           <a:xfrm>
-            <a:off x="0" y="844053"/>
+            <a:off x="0" y="923563"/>
             <a:ext cx="1414170" cy="369332"/>
           </a:xfrm>
           <a:prstGeom prst="rect">
@@ -3133,7 +3091,7 @@
         </p:nvSpPr>
         <p:spPr>
           <a:xfrm>
-            <a:off x="4435083" y="2796149"/>
+            <a:off x="4481350" y="2710906"/>
             <a:ext cx="1414170" cy="369332"/>
           </a:xfrm>
           <a:prstGeom prst="rect">
@@ -3167,7 +3125,7 @@
         </p:nvSpPr>
         <p:spPr>
           <a:xfrm>
-            <a:off x="7819878" y="844053"/>
+            <a:off x="7819878" y="923563"/>
             <a:ext cx="1050288" cy="369332"/>
           </a:xfrm>
           <a:prstGeom prst="rect">
@@ -3204,7 +3162,7 @@
       </p:sp>
       <p:pic>
         <p:nvPicPr>
-          <p:cNvPr id="10" name="Picture 9"/>
+          <p:cNvPr id="3" name="Picture 2"/>
           <p:cNvPicPr>
             <a:picLocks noChangeAspect="1"/>
           </p:cNvPicPr>
@@ -3218,8 +3176,8 @@
         </p:blipFill>
         <p:spPr>
           <a:xfrm>
-            <a:off x="295127" y="3913295"/>
-            <a:ext cx="8623949" cy="1451880"/>
+            <a:off x="283359" y="3458733"/>
+            <a:ext cx="8586807" cy="1460193"/>
           </a:xfrm>
           <a:prstGeom prst="rect">
             <a:avLst/>
@@ -5135,7 +5093,7 @@
           <a:graphicData uri="http://schemas.openxmlformats.org/presentationml/2006/ole">
             <mc:AlternateContent xmlns:mc="http://schemas.openxmlformats.org/markup-compatibility/2006">
               <mc:Choice xmlns:v="urn:schemas-microsoft-com:vml" Requires="v">
-                <p:oleObj spid="_x0000_s17430" name="Equation" r:id="rId5" imgW="2501640" imgH="431640" progId="Equation.3">
+                <p:oleObj spid="_x0000_s17434" name="Equation" r:id="rId5" imgW="2501640" imgH="431640" progId="Equation.3">
                   <p:embed/>
                 </p:oleObj>
               </mc:Choice>
@@ -5203,7 +5161,7 @@
           <a:graphicData uri="http://schemas.openxmlformats.org/presentationml/2006/ole">
             <mc:AlternateContent xmlns:mc="http://schemas.openxmlformats.org/markup-compatibility/2006">
               <mc:Choice xmlns:v="urn:schemas-microsoft-com:vml" Requires="v">
-                <p:oleObj spid="_x0000_s17431" name="Equation" r:id="rId7" imgW="825480" imgH="228600" progId="Equation.3">
+                <p:oleObj spid="_x0000_s17435" name="Equation" r:id="rId7" imgW="825480" imgH="228600" progId="Equation.3">
                   <p:embed/>
                 </p:oleObj>
               </mc:Choice>
@@ -5412,7 +5370,7 @@
           <a:graphicData uri="http://schemas.openxmlformats.org/presentationml/2006/ole">
             <mc:AlternateContent xmlns:mc="http://schemas.openxmlformats.org/markup-compatibility/2006">
               <mc:Choice xmlns:v="urn:schemas-microsoft-com:vml" Requires="v">
-                <p:oleObj spid="_x0000_s18454" name="Equation" r:id="rId3" imgW="876240" imgH="228600" progId="Equation.DSMT4">
+                <p:oleObj spid="_x0000_s18458" name="Equation" r:id="rId3" imgW="876240" imgH="228600" progId="Equation.DSMT4">
                   <p:embed/>
                 </p:oleObj>
               </mc:Choice>
@@ -5488,7 +5446,7 @@
           <a:graphicData uri="http://schemas.openxmlformats.org/presentationml/2006/ole">
             <mc:AlternateContent xmlns:mc="http://schemas.openxmlformats.org/markup-compatibility/2006">
               <mc:Choice xmlns:v="urn:schemas-microsoft-com:vml" Requires="v">
-                <p:oleObj spid="_x0000_s18455" name="Equation" r:id="rId5" imgW="5003640" imgH="711000" progId="Equation.DSMT4">
+                <p:oleObj spid="_x0000_s18459" name="Equation" r:id="rId5" imgW="5003640" imgH="711000" progId="Equation.DSMT4">
                   <p:embed/>
                 </p:oleObj>
               </mc:Choice>
@@ -6870,7 +6828,7 @@
       </p:sp>
       <p:pic>
         <p:nvPicPr>
-          <p:cNvPr id="5" name="Picture 4"/>
+          <p:cNvPr id="4" name="Picture 3"/>
           <p:cNvPicPr>
             <a:picLocks noChangeAspect="1"/>
           </p:cNvPicPr>
@@ -6884,8 +6842,8 @@
         </p:blipFill>
         <p:spPr>
           <a:xfrm>
-            <a:off x="586702" y="1507394"/>
-            <a:ext cx="8186569" cy="4032793"/>
+            <a:off x="578974" y="1375450"/>
+            <a:ext cx="7941637" cy="3912137"/>
           </a:xfrm>
           <a:prstGeom prst="rect">
             <a:avLst/>

--- a/lectures/lec9/Lec9b-Cascade-Analysis.pptx
+++ b/lectures/lec9/Lec9b-Cascade-Analysis.pptx
@@ -2957,7 +2957,7 @@
         </p:blipFill>
         <p:spPr>
           <a:xfrm>
-            <a:off x="1051063" y="3165481"/>
+            <a:off x="987453" y="3165481"/>
             <a:ext cx="7200900" cy="3638550"/>
           </a:xfrm>
           <a:prstGeom prst="rect">
@@ -5093,7 +5093,7 @@
           <a:graphicData uri="http://schemas.openxmlformats.org/presentationml/2006/ole">
             <mc:AlternateContent xmlns:mc="http://schemas.openxmlformats.org/markup-compatibility/2006">
               <mc:Choice xmlns:v="urn:schemas-microsoft-com:vml" Requires="v">
-                <p:oleObj spid="_x0000_s17434" name="Equation" r:id="rId5" imgW="2501640" imgH="431640" progId="Equation.3">
+                <p:oleObj spid="_x0000_s17436" name="Equation" r:id="rId5" imgW="2501640" imgH="431640" progId="Equation.3">
                   <p:embed/>
                 </p:oleObj>
               </mc:Choice>
@@ -5161,7 +5161,7 @@
           <a:graphicData uri="http://schemas.openxmlformats.org/presentationml/2006/ole">
             <mc:AlternateContent xmlns:mc="http://schemas.openxmlformats.org/markup-compatibility/2006">
               <mc:Choice xmlns:v="urn:schemas-microsoft-com:vml" Requires="v">
-                <p:oleObj spid="_x0000_s17435" name="Equation" r:id="rId7" imgW="825480" imgH="228600" progId="Equation.3">
+                <p:oleObj spid="_x0000_s17437" name="Equation" r:id="rId7" imgW="825480" imgH="228600" progId="Equation.3">
                   <p:embed/>
                 </p:oleObj>
               </mc:Choice>
@@ -5370,7 +5370,7 @@
           <a:graphicData uri="http://schemas.openxmlformats.org/presentationml/2006/ole">
             <mc:AlternateContent xmlns:mc="http://schemas.openxmlformats.org/markup-compatibility/2006">
               <mc:Choice xmlns:v="urn:schemas-microsoft-com:vml" Requires="v">
-                <p:oleObj spid="_x0000_s18458" name="Equation" r:id="rId3" imgW="876240" imgH="228600" progId="Equation.DSMT4">
+                <p:oleObj spid="_x0000_s18460" name="Equation" r:id="rId3" imgW="876240" imgH="228600" progId="Equation.DSMT4">
                   <p:embed/>
                 </p:oleObj>
               </mc:Choice>
@@ -5446,7 +5446,7 @@
           <a:graphicData uri="http://schemas.openxmlformats.org/presentationml/2006/ole">
             <mc:AlternateContent xmlns:mc="http://schemas.openxmlformats.org/markup-compatibility/2006">
               <mc:Choice xmlns:v="urn:schemas-microsoft-com:vml" Requires="v">
-                <p:oleObj spid="_x0000_s18459" name="Equation" r:id="rId5" imgW="5003640" imgH="711000" progId="Equation.DSMT4">
+                <p:oleObj spid="_x0000_s18461" name="Equation" r:id="rId5" imgW="5003640" imgH="711000" progId="Equation.DSMT4">
                   <p:embed/>
                 </p:oleObj>
               </mc:Choice>

--- a/lectures/lec9/Lec9b-Cascade-Analysis.pptx
+++ b/lectures/lec9/Lec9b-Cascade-Analysis.pptx
@@ -299,7 +299,7 @@
             <a:fld id="{F33530C9-BF13-40EE-A1EC-EBBB0134EBBA}" type="datetime1">
               <a:rPr lang="en-US"/>
               <a:pPr/>
-              <a:t>11/20/2015 Friday</a:t>
+              <a:t>10/20/2018</a:t>
             </a:fld>
             <a:endParaRPr lang="en-US" dirty="0"/>
           </a:p>
@@ -517,7 +517,7 @@
             <a:fld id="{7DD20F8F-B3A0-465C-A2C5-4272F8BE0711}" type="datetime1">
               <a:rPr lang="en-US"/>
               <a:pPr/>
-              <a:t>11/20/2015 Friday</a:t>
+              <a:t>10/20/2018</a:t>
             </a:fld>
             <a:endParaRPr lang="en-US" dirty="0"/>
           </a:p>
@@ -916,7 +916,7 @@
             <a:fld id="{7DD20F8F-B3A0-465C-A2C5-4272F8BE0711}" type="datetime1">
               <a:rPr lang="en-US" smtClean="0"/>
               <a:pPr/>
-              <a:t>11/20/2015 Friday</a:t>
+              <a:t>10/20/2018</a:t>
             </a:fld>
             <a:endParaRPr lang="en-US"/>
           </a:p>
@@ -1001,10 +1001,9 @@
           </a:lstStyle>
           <a:p>
             <a:r>
-              <a:rPr lang="en-US" smtClean="0"/>
+              <a:rPr lang="en-US"/>
               <a:t>Click to edit Master title style</a:t>
             </a:r>
-            <a:endParaRPr lang="en-US"/>
           </a:p>
         </p:txBody>
       </p:sp>
@@ -1035,10 +1034,9 @@
           </a:lstStyle>
           <a:p>
             <a:r>
-              <a:rPr lang="en-US" smtClean="0"/>
+              <a:rPr lang="en-US"/>
               <a:t>Click to edit Master subtitle style</a:t>
             </a:r>
-            <a:endParaRPr lang="en-US"/>
           </a:p>
         </p:txBody>
       </p:sp>
@@ -1063,10 +1061,9 @@
           <a:lstStyle/>
           <a:p>
             <a:r>
-              <a:rPr lang="en-US" smtClean="0"/>
+              <a:rPr lang="en-US"/>
               <a:t>Click icon to add picture</a:t>
             </a:r>
-            <a:endParaRPr lang="en-US"/>
           </a:p>
         </p:txBody>
       </p:sp>
@@ -1091,10 +1088,9 @@
           <a:lstStyle/>
           <a:p>
             <a:r>
-              <a:rPr lang="en-US" smtClean="0"/>
+              <a:rPr lang="en-US"/>
               <a:t>Click icon to add picture</a:t>
             </a:r>
-            <a:endParaRPr lang="en-US"/>
           </a:p>
         </p:txBody>
       </p:sp>
@@ -1119,10 +1115,9 @@
           <a:lstStyle/>
           <a:p>
             <a:r>
-              <a:rPr lang="en-US" smtClean="0"/>
+              <a:rPr lang="en-US"/>
               <a:t>Click icon to add picture</a:t>
             </a:r>
-            <a:endParaRPr lang="en-US"/>
           </a:p>
         </p:txBody>
       </p:sp>
@@ -1147,10 +1142,9 @@
           <a:lstStyle/>
           <a:p>
             <a:r>
-              <a:rPr lang="en-US" smtClean="0"/>
+              <a:rPr lang="en-US"/>
               <a:t>Click icon to add picture</a:t>
             </a:r>
-            <a:endParaRPr lang="en-US"/>
           </a:p>
         </p:txBody>
       </p:sp>
@@ -1175,10 +1169,9 @@
           <a:lstStyle/>
           <a:p>
             <a:r>
-              <a:rPr lang="en-US" smtClean="0"/>
+              <a:rPr lang="en-US"/>
               <a:t>Click icon to add picture</a:t>
             </a:r>
-            <a:endParaRPr lang="en-US"/>
           </a:p>
         </p:txBody>
       </p:sp>
@@ -1203,10 +1196,9 @@
           <a:lstStyle/>
           <a:p>
             <a:r>
-              <a:rPr lang="en-US" smtClean="0"/>
+              <a:rPr lang="en-US"/>
               <a:t>Click icon to add picture</a:t>
             </a:r>
-            <a:endParaRPr lang="en-US"/>
           </a:p>
         </p:txBody>
       </p:sp>
@@ -1231,10 +1223,9 @@
           <a:lstStyle/>
           <a:p>
             <a:r>
-              <a:rPr lang="en-US" smtClean="0"/>
+              <a:rPr lang="en-US"/>
               <a:t>Click icon to add picture</a:t>
             </a:r>
-            <a:endParaRPr lang="en-US"/>
           </a:p>
         </p:txBody>
       </p:sp>
@@ -1325,10 +1316,9 @@
           </a:lstStyle>
           <a:p>
             <a:r>
-              <a:rPr lang="en-US" smtClean="0"/>
+              <a:rPr lang="en-US"/>
               <a:t>Click to edit Master title style</a:t>
             </a:r>
-            <a:endParaRPr lang="en-US"/>
           </a:p>
         </p:txBody>
       </p:sp>
@@ -1359,7 +1349,7 @@
           </a:lstStyle>
           <a:p>
             <a:r>
-              <a:rPr lang="en-US" smtClean="0"/>
+              <a:rPr lang="en-US"/>
               <a:t>Click to edit Master subtitle style</a:t>
             </a:r>
             <a:endParaRPr lang="en-US" dirty="0"/>
@@ -1439,7 +1429,7 @@
           <a:p>
             <a:pPr lvl="0"/>
             <a:r>
-              <a:rPr lang="en-US" smtClean="0"/>
+              <a:rPr lang="en-US"/>
               <a:t>Click to edit Master title style</a:t>
             </a:r>
             <a:endParaRPr lang="en-US" dirty="0"/>
@@ -1561,35 +1551,35 @@
           <a:p>
             <a:pPr lvl="0"/>
             <a:r>
-              <a:rPr lang="en-US" smtClean="0"/>
+              <a:rPr lang="en-US"/>
               <a:t>Click to edit Master text styles</a:t>
             </a:r>
           </a:p>
           <a:p>
             <a:pPr lvl="1"/>
             <a:r>
-              <a:rPr lang="en-US" smtClean="0"/>
+              <a:rPr lang="en-US"/>
               <a:t>Second level</a:t>
             </a:r>
           </a:p>
           <a:p>
             <a:pPr lvl="2"/>
             <a:r>
-              <a:rPr lang="en-US" smtClean="0"/>
+              <a:rPr lang="en-US"/>
               <a:t>Third level</a:t>
             </a:r>
           </a:p>
           <a:p>
             <a:pPr lvl="3"/>
             <a:r>
-              <a:rPr lang="en-US" smtClean="0"/>
+              <a:rPr lang="en-US"/>
               <a:t>Fourth level</a:t>
             </a:r>
           </a:p>
           <a:p>
             <a:pPr lvl="4"/>
             <a:r>
-              <a:rPr lang="en-US" smtClean="0"/>
+              <a:rPr lang="en-US"/>
               <a:t>Fifth level</a:t>
             </a:r>
             <a:endParaRPr lang="en-US" dirty="0"/>
@@ -1606,13 +1596,6 @@
   <p:clrMapOvr>
     <a:masterClrMapping/>
   </p:clrMapOvr>
-  <p:timing>
-    <p:tnLst>
-      <p:par>
-        <p:cTn id="1" dur="indefinite" restart="never" nodeType="tmRoot"/>
-      </p:par>
-    </p:tnLst>
-  </p:timing>
 </p:sldLayout>
 </file>
 
@@ -1658,7 +1641,7 @@
           </a:lstStyle>
           <a:p>
             <a:r>
-              <a:rPr lang="en-US" smtClean="0"/>
+              <a:rPr lang="en-US"/>
               <a:t>Click to edit Master title style</a:t>
             </a:r>
             <a:endParaRPr lang="en-US" dirty="0"/>
@@ -1724,7 +1707,7 @@
           <a:p>
             <a:pPr lvl="0"/>
             <a:r>
-              <a:rPr lang="en-US" smtClean="0"/>
+              <a:rPr lang="en-US"/>
               <a:t>Click to edit Master text styles</a:t>
             </a:r>
           </a:p>
@@ -1805,10 +1788,9 @@
           <a:p>
             <a:pPr lvl="0"/>
             <a:r>
-              <a:rPr lang="en-US" dirty="0" smtClean="0"/>
+              <a:rPr lang="en-US" dirty="0"/>
               <a:t>Click to edit Master title</a:t>
             </a:r>
-            <a:endParaRPr lang="en-US" dirty="0"/>
           </a:p>
         </p:txBody>
       </p:sp>
@@ -1853,7 +1835,7 @@
               <a:buChar char="v"/>
             </a:pPr>
             <a:r>
-              <a:rPr lang="en-US" dirty="0" smtClean="0"/>
+              <a:rPr lang="en-US" dirty="0"/>
               <a:t> Click to edit Master text styles</a:t>
             </a:r>
           </a:p>
@@ -1866,7 +1848,7 @@
               <a:buChar char="Ø"/>
             </a:pPr>
             <a:r>
-              <a:rPr lang="en-US" dirty="0" smtClean="0"/>
+              <a:rPr lang="en-US" dirty="0"/>
               <a:t>Second level</a:t>
             </a:r>
           </a:p>
@@ -1877,7 +1859,7 @@
               </a:lnSpc>
             </a:pPr>
             <a:r>
-              <a:rPr lang="en-US" dirty="0" smtClean="0"/>
+              <a:rPr lang="en-US" dirty="0"/>
               <a:t>Third level</a:t>
             </a:r>
           </a:p>
@@ -1888,7 +1870,7 @@
               </a:lnSpc>
             </a:pPr>
             <a:r>
-              <a:rPr lang="en-US" dirty="0" smtClean="0"/>
+              <a:rPr lang="en-US" dirty="0"/>
               <a:t>Fourth level</a:t>
             </a:r>
           </a:p>
@@ -1899,10 +1881,9 @@
               </a:lnSpc>
             </a:pPr>
             <a:r>
-              <a:rPr lang="en-US" dirty="0" smtClean="0"/>
+              <a:rPr lang="en-US" dirty="0"/>
               <a:t>Fifth level</a:t>
             </a:r>
-            <a:endParaRPr lang="en-US" dirty="0"/>
           </a:p>
         </p:txBody>
       </p:sp>
@@ -1994,13 +1975,6 @@
     <p:sldLayoutId id="2147483680" r:id="rId3"/>
     <p:sldLayoutId id="2147483681" r:id="rId4"/>
   </p:sldLayoutIdLst>
-  <p:timing>
-    <p:tnLst>
-      <p:par>
-        <p:cTn id="1" dur="indefinite" restart="never" nodeType="tmRoot"/>
-      </p:par>
-    </p:tnLst>
-  </p:timing>
   <p:hf hdr="0" ftr="0" dt="0"/>
   <p:txStyles>
     <p:titleStyle>
@@ -2425,7 +2399,7 @@
         <p:spPr bwMode="auto">
           <a:xfrm>
             <a:off x="674007" y="3856020"/>
-            <a:ext cx="5878532" cy="2631490"/>
+            <a:ext cx="5786199" cy="2323713"/>
           </a:xfrm>
           <a:prstGeom prst="rect">
             <a:avLst/>
@@ -2445,7 +2419,7 @@
           <a:lstStyle/>
           <a:p>
             <a:r>
-              <a:rPr lang="en-US" sz="2000" dirty="0">
+              <a:rPr lang="en-US" altLang="zh-CN" sz="2000" dirty="0">
                 <a:solidFill>
                   <a:schemeClr val="bg1"/>
                 </a:solidFill>
@@ -2456,7 +2430,7 @@
             </a:r>
           </a:p>
           <a:p>
-            <a:endParaRPr lang="en-US" sz="500" dirty="0">
+            <a:endParaRPr lang="en-US" altLang="zh-CN" sz="500" dirty="0">
               <a:solidFill>
                 <a:schemeClr val="bg1"/>
               </a:solidFill>
@@ -2466,18 +2440,18 @@
           </a:p>
           <a:p>
             <a:r>
-              <a:rPr lang="en-US" sz="2000" dirty="0">
+              <a:rPr lang="en-US" altLang="zh-CN" sz="2000" dirty="0">
                 <a:solidFill>
                   <a:schemeClr val="bg1"/>
                 </a:solidFill>
                 <a:latin typeface="Kalinga" panose="020B0502040204020203" pitchFamily="34" charset="0"/>
                 <a:cs typeface="Kalinga" panose="020B0502040204020203" pitchFamily="34" charset="0"/>
               </a:rPr>
-              <a:t>Assistant Professor</a:t>
-            </a:r>
-          </a:p>
-          <a:p>
-            <a:endParaRPr lang="en-US" sz="500" dirty="0">
+              <a:t>Associate Professor</a:t>
+            </a:r>
+          </a:p>
+          <a:p>
+            <a:endParaRPr lang="en-US" altLang="zh-CN" sz="500" dirty="0">
               <a:solidFill>
                 <a:schemeClr val="bg1"/>
               </a:solidFill>
@@ -2487,7 +2461,7 @@
           </a:p>
           <a:p>
             <a:r>
-              <a:rPr lang="en-US" sz="2000" dirty="0">
+              <a:rPr lang="en-US" altLang="zh-CN" sz="2000" dirty="0">
                 <a:solidFill>
                   <a:schemeClr val="bg1"/>
                 </a:solidFill>
@@ -2498,7 +2472,7 @@
             </a:r>
           </a:p>
           <a:p>
-            <a:endParaRPr lang="en-US" sz="500" dirty="0">
+            <a:endParaRPr lang="en-US" altLang="zh-CN" sz="500" dirty="0">
               <a:solidFill>
                 <a:schemeClr val="bg1"/>
               </a:solidFill>
@@ -2507,7 +2481,7 @@
             </a:endParaRPr>
           </a:p>
           <a:p>
-            <a:endParaRPr lang="en-US" sz="500" dirty="0">
+            <a:endParaRPr lang="en-US" altLang="zh-CN" sz="500" dirty="0">
               <a:solidFill>
                 <a:schemeClr val="bg1"/>
               </a:solidFill>
@@ -2517,35 +2491,18 @@
           </a:p>
           <a:p>
             <a:r>
-              <a:rPr lang="en-US" sz="2000" dirty="0">
+              <a:rPr lang="en-US" altLang="zh-CN" sz="2000" dirty="0">
                 <a:solidFill>
                   <a:schemeClr val="bg1"/>
                 </a:solidFill>
                 <a:latin typeface="Kalinga" panose="020B0502040204020203" pitchFamily="34" charset="0"/>
                 <a:cs typeface="Kalinga" panose="020B0502040204020203" pitchFamily="34" charset="0"/>
               </a:rPr>
-              <a:t>Tel: </a:t>
-            </a:r>
-            <a:r>
-              <a:rPr lang="en-US" sz="2000" dirty="0" smtClean="0">
-                <a:solidFill>
-                  <a:schemeClr val="bg1"/>
-                </a:solidFill>
-                <a:latin typeface="Kalinga" panose="020B0502040204020203" pitchFamily="34" charset="0"/>
-                <a:cs typeface="Kalinga" panose="020B0502040204020203" pitchFamily="34" charset="0"/>
-              </a:rPr>
-              <a:t>530-289-6367</a:t>
-            </a:r>
-            <a:endParaRPr lang="en-US" sz="2000" dirty="0">
-              <a:solidFill>
-                <a:schemeClr val="bg1"/>
-              </a:solidFill>
-              <a:latin typeface="Kalinga" panose="020B0502040204020203" pitchFamily="34" charset="0"/>
-              <a:cs typeface="Kalinga" panose="020B0502040204020203" pitchFamily="34" charset="0"/>
-            </a:endParaRPr>
-          </a:p>
-          <a:p>
-            <a:endParaRPr lang="en-US" sz="500" dirty="0">
+              <a:t>Tel: 530-289-6367</a:t>
+            </a:r>
+          </a:p>
+          <a:p>
+            <a:endParaRPr lang="en-US" altLang="zh-CN" sz="500" dirty="0">
               <a:solidFill>
                 <a:schemeClr val="bg1">
                   <a:lumMod val="75000"/>
@@ -2558,7 +2515,7 @@
           </a:p>
           <a:p>
             <a:r>
-              <a:rPr lang="en-US" sz="2000" dirty="0">
+              <a:rPr lang="en-US" altLang="zh-CN" sz="2000" dirty="0">
                 <a:solidFill>
                   <a:schemeClr val="bg1">
                     <a:lumMod val="75000"/>
@@ -2571,7 +2528,7 @@
               </a:rPr>
               <a:t>lxgliu@ucdavis.edu</a:t>
             </a:r>
-            <a:endParaRPr lang="en-US" sz="2000" dirty="0">
+            <a:endParaRPr lang="en-US" altLang="zh-CN" sz="2000" dirty="0">
               <a:solidFill>
                 <a:schemeClr val="bg1">
                   <a:lumMod val="75000"/>
@@ -2584,7 +2541,7 @@
           </a:p>
           <a:p>
             <a:r>
-              <a:rPr lang="en-US" sz="2000" dirty="0">
+              <a:rPr lang="en-US" altLang="zh-CN" sz="2000">
                 <a:solidFill>
                   <a:schemeClr val="bg1">
                     <a:lumMod val="75000"/>
@@ -2595,9 +2552,9 @@
                 <a:cs typeface="Kalinga" panose="020B0502040204020203" pitchFamily="34" charset="0"/>
                 <a:hlinkClick r:id="rId4"/>
               </a:rPr>
-              <a:t>http://ucdart.net</a:t>
-            </a:r>
-            <a:endParaRPr lang="en-US" sz="2000" dirty="0">
+              <a:t>http://dart.ece.ucdavis.edu</a:t>
+            </a:r>
+            <a:endParaRPr lang="en-US" altLang="zh-CN" sz="2000">
               <a:solidFill>
                 <a:schemeClr val="bg1">
                   <a:lumMod val="75000"/>
@@ -2608,15 +2565,6 @@
               <a:cs typeface="Kalinga" panose="020B0502040204020203" pitchFamily="34" charset="0"/>
             </a:endParaRPr>
           </a:p>
-          <a:p>
-            <a:endParaRPr lang="en-US" sz="2000" dirty="0">
-              <a:solidFill>
-                <a:schemeClr val="bg1"/>
-              </a:solidFill>
-              <a:latin typeface="Kalinga" panose="020B0502040204020203" pitchFamily="34" charset="0"/>
-              <a:cs typeface="Kalinga" panose="020B0502040204020203" pitchFamily="34" charset="0"/>
-            </a:endParaRPr>
-          </a:p>
         </p:txBody>
       </p:sp>
       <p:sp>
@@ -2642,14 +2590,11 @@
           <a:lstStyle/>
           <a:p>
             <a:r>
-              <a:rPr lang="en-US" dirty="0" smtClean="0">
+              <a:rPr lang="en-US" dirty="0">
                 <a:latin typeface="Franklin Gothic Demi" panose="020B0703020102020204" pitchFamily="34" charset="0"/>
               </a:rPr>
               <a:t>Design of RF &amp; Microwave Systems</a:t>
             </a:r>
-            <a:endParaRPr lang="en-US" dirty="0">
-              <a:latin typeface="Franklin Gothic Demi" panose="020B0703020102020204" pitchFamily="34" charset="0"/>
-            </a:endParaRPr>
           </a:p>
         </p:txBody>
       </p:sp>
@@ -2674,18 +2619,13 @@
           <a:lstStyle/>
           <a:p>
             <a:r>
-              <a:rPr lang="en-US" sz="2400" b="1" dirty="0" smtClean="0">
+              <a:rPr lang="en-US" sz="2400" b="1" dirty="0">
                 <a:solidFill>
                   <a:srgbClr val="BF9900"/>
                 </a:solidFill>
               </a:rPr>
               <a:t>EEC 134 A&amp;B</a:t>
             </a:r>
-            <a:endParaRPr lang="en-US" sz="2400" b="1" dirty="0">
-              <a:solidFill>
-                <a:srgbClr val="BF9900"/>
-              </a:solidFill>
-            </a:endParaRPr>
           </a:p>
         </p:txBody>
       </p:sp>
@@ -2726,23 +2666,8 @@
                 </a:solidFill>
                 <a:latin typeface="Myriad Pro" panose="020B0503030403020204" pitchFamily="34" charset="0"/>
               </a:rPr>
-              <a:t>Lecture </a:t>
-            </a:r>
-            <a:r>
-              <a:rPr lang="en-US" sz="3200" dirty="0" smtClean="0">
-                <a:solidFill>
-                  <a:srgbClr val="091D58"/>
-                </a:solidFill>
-                <a:latin typeface="Myriad Pro" panose="020B0503030403020204" pitchFamily="34" charset="0"/>
-              </a:rPr>
-              <a:t>9b: System Analysis</a:t>
-            </a:r>
-            <a:endParaRPr lang="en-US" sz="3200" dirty="0">
-              <a:solidFill>
-                <a:srgbClr val="091D58"/>
-              </a:solidFill>
-              <a:latin typeface="Myriad Pro" panose="020B0503030403020204" pitchFamily="34" charset="0"/>
-            </a:endParaRPr>
+              <a:t>Lecture 9b: System Analysis</a:t>
+            </a:r>
           </a:p>
         </p:txBody>
       </p:sp>
@@ -2756,13 +2681,6 @@
   <p:clrMapOvr>
     <a:masterClrMapping/>
   </p:clrMapOvr>
-  <p:timing>
-    <p:tnLst>
-      <p:par>
-        <p:cTn id="1" dur="indefinite" restart="never" nodeType="tmRoot"/>
-      </p:par>
-    </p:tnLst>
-  </p:timing>
 </p:sld>
 </file>
 
@@ -2799,10 +2717,9 @@
           <a:lstStyle/>
           <a:p>
             <a:r>
-              <a:rPr lang="en-US" dirty="0" smtClean="0"/>
+              <a:rPr lang="en-US" dirty="0"/>
               <a:t>Example</a:t>
             </a:r>
-            <a:endParaRPr lang="en-US" dirty="0"/>
           </a:p>
         </p:txBody>
       </p:sp>
@@ -2853,7 +2770,7 @@
           <a:lstStyle/>
           <a:p>
             <a:r>
-              <a:rPr lang="en-US" sz="1800" dirty="0" smtClean="0">
+              <a:rPr lang="en-US" sz="1800" dirty="0">
                 <a:solidFill>
                   <a:srgbClr val="000000"/>
                 </a:solidFill>
@@ -2887,7 +2804,7 @@
           <a:lstStyle/>
           <a:p>
             <a:r>
-              <a:rPr lang="en-US" sz="1800" dirty="0" smtClean="0">
+              <a:rPr lang="en-US" sz="1800" dirty="0">
                 <a:solidFill>
                   <a:srgbClr val="000000"/>
                 </a:solidFill>
@@ -2927,16 +2844,7 @@
                 </a:solidFill>
                 <a:latin typeface="+mj-lt"/>
               </a:rPr>
-              <a:t>3</a:t>
-            </a:r>
-            <a:r>
-              <a:rPr lang="en-US" sz="1800" dirty="0" smtClean="0">
-                <a:solidFill>
-                  <a:srgbClr val="000000"/>
-                </a:solidFill>
-                <a:latin typeface="+mj-lt"/>
-              </a:rPr>
-              <a:t>0 MHz</a:t>
+              <a:t>30 MHz</a:t>
             </a:r>
           </a:p>
         </p:txBody>
@@ -2975,13 +2883,6 @@
   <p:clrMapOvr>
     <a:masterClrMapping/>
   </p:clrMapOvr>
-  <p:timing>
-    <p:tnLst>
-      <p:par>
-        <p:cTn id="1" dur="indefinite" restart="never" nodeType="tmRoot"/>
-      </p:par>
-    </p:tnLst>
-  </p:timing>
 </p:sld>
 </file>
 
@@ -3018,10 +2919,9 @@
           <a:lstStyle/>
           <a:p>
             <a:r>
-              <a:rPr lang="en-US" dirty="0" smtClean="0"/>
+              <a:rPr lang="en-US" dirty="0"/>
               <a:t>Example</a:t>
             </a:r>
-            <a:endParaRPr lang="en-US" dirty="0"/>
           </a:p>
         </p:txBody>
       </p:sp>
@@ -3072,7 +2972,7 @@
           <a:lstStyle/>
           <a:p>
             <a:r>
-              <a:rPr lang="en-US" sz="1800" dirty="0" smtClean="0">
+              <a:rPr lang="en-US" sz="1800" dirty="0">
                 <a:solidFill>
                   <a:srgbClr val="000000"/>
                 </a:solidFill>
@@ -3106,7 +3006,7 @@
           <a:lstStyle/>
           <a:p>
             <a:r>
-              <a:rPr lang="en-US" sz="1800" dirty="0" smtClean="0">
+              <a:rPr lang="en-US" sz="1800" dirty="0">
                 <a:solidFill>
                   <a:srgbClr val="000000"/>
                 </a:solidFill>
@@ -3146,16 +3046,7 @@
                 </a:solidFill>
                 <a:latin typeface="+mj-lt"/>
               </a:rPr>
-              <a:t>3</a:t>
-            </a:r>
-            <a:r>
-              <a:rPr lang="en-US" sz="1800" dirty="0" smtClean="0">
-                <a:solidFill>
-                  <a:srgbClr val="000000"/>
-                </a:solidFill>
-                <a:latin typeface="+mj-lt"/>
-              </a:rPr>
-              <a:t>0 MHz</a:t>
+              <a:t>30 MHz</a:t>
             </a:r>
           </a:p>
         </p:txBody>
@@ -3194,13 +3085,6 @@
   <p:clrMapOvr>
     <a:masterClrMapping/>
   </p:clrMapOvr>
-  <p:timing>
-    <p:tnLst>
-      <p:par>
-        <p:cTn id="1" dur="indefinite" restart="never" nodeType="tmRoot"/>
-      </p:par>
-    </p:tnLst>
-  </p:timing>
 </p:sld>
 </file>
 
@@ -3237,10 +3121,9 @@
           <a:lstStyle/>
           <a:p>
             <a:r>
-              <a:rPr lang="en-US" dirty="0" smtClean="0"/>
+              <a:rPr lang="en-US" dirty="0"/>
               <a:t>Link Budget Analysis</a:t>
             </a:r>
-            <a:endParaRPr lang="en-US" dirty="0"/>
           </a:p>
         </p:txBody>
       </p:sp>
@@ -3265,7 +3148,7 @@
           <a:lstStyle/>
           <a:p>
             <a:r>
-              <a:rPr lang="en-US" dirty="0" smtClean="0"/>
+              <a:rPr lang="en-US" dirty="0"/>
               <a:t>Free space loss (Path loss)</a:t>
             </a:r>
           </a:p>
@@ -3281,22 +3164,14 @@
             </a:r>
             <a:r>
               <a:rPr lang="en-US" dirty="0"/>
-              <a:t>, commonly known as Free Space </a:t>
-            </a:r>
-            <a:r>
-              <a:rPr lang="en-US" dirty="0" smtClean="0"/>
-              <a:t>Loss.</a:t>
+              <a:t>, commonly known as Free Space Loss.</a:t>
             </a:r>
           </a:p>
           <a:p>
             <a:pPr lvl="1"/>
             <a:r>
-              <a:rPr lang="en-US" dirty="0" smtClean="0"/>
-              <a:t>The </a:t>
-            </a:r>
-            <a:r>
               <a:rPr lang="en-US" dirty="0"/>
-              <a:t>power of the signal is spread over a wave front, the area of which increases as the distance from the transmitter increases. Therefore, the power density diminishes</a:t>
+              <a:t>The power of the signal is spread over a wave front, the area of which increases as the distance from the transmitter increases. Therefore, the power density diminishes</a:t>
             </a:r>
           </a:p>
         </p:txBody>
@@ -3393,13 +3268,6 @@
   <p:clrMapOvr>
     <a:masterClrMapping/>
   </p:clrMapOvr>
-  <p:timing>
-    <p:tnLst>
-      <p:par>
-        <p:cTn id="1" dur="indefinite" restart="never" nodeType="tmRoot"/>
-      </p:par>
-    </p:tnLst>
-  </p:timing>
 </p:sld>
 </file>
 
@@ -3436,10 +3304,9 @@
           <a:lstStyle/>
           <a:p>
             <a:r>
-              <a:rPr lang="en-US" dirty="0" smtClean="0"/>
+              <a:rPr lang="en-US" dirty="0"/>
               <a:t>Link Budget Analysis</a:t>
             </a:r>
-            <a:endParaRPr lang="en-US" dirty="0"/>
           </a:p>
         </p:txBody>
       </p:sp>
@@ -3464,7 +3331,7 @@
           <a:lstStyle/>
           <a:p>
             <a:r>
-              <a:rPr lang="en-US" dirty="0" smtClean="0"/>
+              <a:rPr lang="en-US" dirty="0"/>
               <a:t>Free space loss (Path loss)</a:t>
             </a:r>
           </a:p>
@@ -3585,7 +3452,7 @@
           <a:lstStyle/>
           <a:p>
             <a:r>
-              <a:rPr lang="en-US" sz="3000" dirty="0" err="1" smtClean="0">
+              <a:rPr lang="en-US" sz="3000" dirty="0" err="1">
                 <a:solidFill>
                   <a:srgbClr val="4D4D4D"/>
                 </a:solidFill>
@@ -3595,7 +3462,7 @@
               <a:t>Friis</a:t>
             </a:r>
             <a:r>
-              <a:rPr lang="en-US" sz="3000" dirty="0" smtClean="0">
+              <a:rPr lang="en-US" sz="3000" dirty="0">
                 <a:solidFill>
                   <a:srgbClr val="4D4D4D"/>
                 </a:solidFill>
@@ -3617,13 +3484,6 @@
   <p:clrMapOvr>
     <a:masterClrMapping/>
   </p:clrMapOvr>
-  <p:timing>
-    <p:tnLst>
-      <p:par>
-        <p:cTn id="1" dur="indefinite" restart="never" nodeType="tmRoot"/>
-      </p:par>
-    </p:tnLst>
-  </p:timing>
 </p:sld>
 </file>
 
@@ -3660,10 +3520,9 @@
           <a:lstStyle/>
           <a:p>
             <a:r>
-              <a:rPr lang="en-US" dirty="0" smtClean="0"/>
+              <a:rPr lang="en-US" dirty="0"/>
               <a:t>Link Budget Analysis</a:t>
             </a:r>
-            <a:endParaRPr lang="en-US" dirty="0"/>
           </a:p>
         </p:txBody>
       </p:sp>
@@ -3688,11 +3547,11 @@
           <a:lstStyle/>
           <a:p>
             <a:r>
-              <a:rPr lang="en-US" dirty="0" err="1" smtClean="0"/>
+              <a:rPr lang="en-US" dirty="0" err="1"/>
               <a:t>Friis</a:t>
             </a:r>
             <a:r>
-              <a:rPr lang="en-US" dirty="0" smtClean="0"/>
+              <a:rPr lang="en-US" dirty="0"/>
               <a:t> equation in dB scale</a:t>
             </a:r>
           </a:p>
@@ -3789,7 +3648,7 @@
           <a:lstStyle/>
           <a:p>
             <a:r>
-              <a:rPr lang="en-US" sz="3000" dirty="0" smtClean="0">
+              <a:rPr lang="en-US" sz="3000" dirty="0">
                 <a:solidFill>
                   <a:srgbClr val="6699FF"/>
                 </a:solidFill>
@@ -3799,7 +3658,7 @@
               <a:t>Free space </a:t>
             </a:r>
             <a:r>
-              <a:rPr lang="en-US" sz="3000" smtClean="0">
+              <a:rPr lang="en-US" sz="3000">
                 <a:solidFill>
                   <a:srgbClr val="6699FF"/>
                 </a:solidFill>
@@ -3808,7 +3667,7 @@
               </a:rPr>
               <a:t>path loss</a:t>
             </a:r>
-            <a:endParaRPr lang="en-US" sz="3000" dirty="0" smtClean="0">
+            <a:endParaRPr lang="en-US" sz="3000" dirty="0">
               <a:solidFill>
                 <a:srgbClr val="6699FF"/>
               </a:solidFill>
@@ -3904,7 +3763,7 @@
               <a:buNone/>
               <a:tabLst/>
             </a:pPr>
-            <a:endParaRPr kumimoji="0" lang="en-US" sz="2400" b="0" i="0" u="none" strike="noStrike" cap="none" normalizeH="0" baseline="0" smtClean="0">
+            <a:endParaRPr kumimoji="0" lang="en-US" sz="2400" b="0" i="0" u="none" strike="noStrike" cap="none" normalizeH="0" baseline="0">
               <a:ln>
                 <a:noFill/>
               </a:ln>
@@ -4001,7 +3860,7 @@
               <a:buNone/>
               <a:tabLst/>
             </a:pPr>
-            <a:endParaRPr kumimoji="0" lang="en-US" sz="2400" b="0" i="0" u="none" strike="noStrike" cap="none" normalizeH="0" baseline="0" smtClean="0">
+            <a:endParaRPr kumimoji="0" lang="en-US" sz="2400" b="0" i="0" u="none" strike="noStrike" cap="none" normalizeH="0" baseline="0">
               <a:ln>
                 <a:noFill/>
               </a:ln>
@@ -4211,10 +4070,9 @@
           <a:lstStyle/>
           <a:p>
             <a:r>
-              <a:rPr lang="en-US" dirty="0" smtClean="0"/>
+              <a:rPr lang="en-US" dirty="0"/>
               <a:t>Free Space Path Loss</a:t>
             </a:r>
-            <a:endParaRPr lang="en-US" dirty="0"/>
           </a:p>
         </p:txBody>
       </p:sp>
@@ -4373,10 +4231,9 @@
           <a:lstStyle/>
           <a:p>
             <a:r>
-              <a:rPr lang="en-US" dirty="0" smtClean="0"/>
+              <a:rPr lang="en-US" dirty="0"/>
               <a:t>Power distribution in an RF system</a:t>
             </a:r>
-            <a:endParaRPr lang="en-US" dirty="0"/>
           </a:p>
         </p:txBody>
       </p:sp>
@@ -4433,13 +4290,6 @@
   <p:clrMapOvr>
     <a:masterClrMapping/>
   </p:clrMapOvr>
-  <p:timing>
-    <p:tnLst>
-      <p:par>
-        <p:cTn id="1" dur="indefinite" restart="never" nodeType="tmRoot"/>
-      </p:par>
-    </p:tnLst>
-  </p:timing>
 </p:sld>
 </file>
 
@@ -4476,10 +4326,9 @@
           <a:lstStyle/>
           <a:p>
             <a:r>
-              <a:rPr lang="en-US" dirty="0" smtClean="0"/>
+              <a:rPr lang="en-US" dirty="0"/>
               <a:t>Estimating System Performance</a:t>
             </a:r>
-            <a:endParaRPr lang="en-US" dirty="0"/>
           </a:p>
         </p:txBody>
       </p:sp>
@@ -4499,130 +4348,130 @@
           <a:lstStyle/>
           <a:p>
             <a:r>
-              <a:rPr lang="en-US" dirty="0" smtClean="0"/>
+              <a:rPr lang="en-US" dirty="0"/>
               <a:t>Start with the required signal to noise ratio (</a:t>
             </a:r>
             <a:r>
-              <a:rPr lang="en-US" i="1" dirty="0" err="1" smtClean="0"/>
+              <a:rPr lang="en-US" i="1" dirty="0" err="1"/>
               <a:t>SNR</a:t>
             </a:r>
             <a:r>
-              <a:rPr lang="en-US" i="1" baseline="-25000" dirty="0" err="1" smtClean="0"/>
+              <a:rPr lang="en-US" i="1" baseline="-25000" dirty="0" err="1"/>
               <a:t>o</a:t>
             </a:r>
             <a:r>
-              <a:rPr lang="en-US" dirty="0" smtClean="0"/>
+              <a:rPr lang="en-US" dirty="0"/>
               <a:t>)</a:t>
             </a:r>
           </a:p>
           <a:p>
             <a:pPr lvl="1"/>
             <a:r>
-              <a:rPr lang="en-US" dirty="0" smtClean="0"/>
+              <a:rPr lang="en-US" dirty="0"/>
               <a:t>For communication systems, the SNR determines transmission error rate</a:t>
             </a:r>
           </a:p>
           <a:p>
             <a:pPr lvl="1"/>
             <a:r>
-              <a:rPr lang="en-US" dirty="0" smtClean="0"/>
+              <a:rPr lang="en-US" dirty="0"/>
               <a:t>For radar systems, the SNR determines whether a successful detection can be achieved</a:t>
             </a:r>
           </a:p>
           <a:p>
             <a:r>
-              <a:rPr lang="en-US" dirty="0" smtClean="0"/>
+              <a:rPr lang="en-US" dirty="0"/>
               <a:t>Calculate the system noise figure (</a:t>
             </a:r>
             <a:r>
-              <a:rPr lang="en-US" i="1" dirty="0" err="1" smtClean="0"/>
+              <a:rPr lang="en-US" i="1" dirty="0" err="1"/>
               <a:t>NF</a:t>
             </a:r>
             <a:r>
-              <a:rPr lang="en-US" i="1" baseline="-25000" dirty="0" err="1" smtClean="0"/>
+              <a:rPr lang="en-US" i="1" baseline="-25000" dirty="0" err="1"/>
               <a:t>sys</a:t>
             </a:r>
             <a:r>
-              <a:rPr lang="en-US" dirty="0" smtClean="0"/>
+              <a:rPr lang="en-US" dirty="0"/>
               <a:t>) by cascade analysis</a:t>
             </a:r>
           </a:p>
           <a:p>
             <a:r>
-              <a:rPr lang="en-US" dirty="0" smtClean="0"/>
+              <a:rPr lang="en-US" dirty="0"/>
               <a:t>Calculate the input signal to noise ratio (</a:t>
             </a:r>
             <a:r>
-              <a:rPr lang="en-US" i="1" dirty="0" err="1" smtClean="0"/>
+              <a:rPr lang="en-US" i="1" dirty="0" err="1"/>
               <a:t>SNR</a:t>
             </a:r>
             <a:r>
-              <a:rPr lang="en-US" i="1" baseline="-25000" dirty="0" err="1" smtClean="0"/>
+              <a:rPr lang="en-US" i="1" baseline="-25000" dirty="0" err="1"/>
               <a:t>i</a:t>
             </a:r>
             <a:r>
-              <a:rPr lang="en-US" dirty="0" smtClean="0"/>
+              <a:rPr lang="en-US" dirty="0"/>
               <a:t>)</a:t>
             </a:r>
           </a:p>
           <a:p>
-            <a:endParaRPr lang="en-US" dirty="0" smtClean="0"/>
-          </a:p>
-          <a:p>
             <a:endParaRPr lang="en-US" dirty="0"/>
           </a:p>
           <a:p>
-            <a:r>
-              <a:rPr lang="en-US" dirty="0" smtClean="0"/>
+            <a:endParaRPr lang="en-US" dirty="0"/>
+          </a:p>
+          <a:p>
+            <a:r>
+              <a:rPr lang="en-US" dirty="0"/>
               <a:t>Calculate the required receive power </a:t>
             </a:r>
             <a:r>
-              <a:rPr lang="en-US" i="1" dirty="0" err="1" smtClean="0"/>
+              <a:rPr lang="en-US" i="1" dirty="0" err="1"/>
               <a:t>P</a:t>
             </a:r>
             <a:r>
-              <a:rPr lang="en-US" i="1" baseline="-25000" dirty="0" err="1" smtClean="0"/>
+              <a:rPr lang="en-US" i="1" baseline="-25000" dirty="0" err="1"/>
               <a:t>r</a:t>
             </a:r>
-            <a:endParaRPr lang="en-US" i="1" baseline="-25000" dirty="0" smtClean="0"/>
+            <a:endParaRPr lang="en-US" i="1" baseline="-25000" dirty="0"/>
           </a:p>
           <a:p>
             <a:endParaRPr lang="en-US" dirty="0"/>
           </a:p>
           <a:p>
-            <a:endParaRPr lang="en-US" dirty="0" smtClean="0"/>
-          </a:p>
-          <a:p>
-            <a:r>
-              <a:rPr lang="en-US" dirty="0" smtClean="0"/>
+            <a:endParaRPr lang="en-US" dirty="0"/>
+          </a:p>
+          <a:p>
+            <a:r>
+              <a:rPr lang="en-US" dirty="0"/>
               <a:t>From </a:t>
             </a:r>
             <a:r>
-              <a:rPr lang="en-US" dirty="0" err="1" smtClean="0"/>
+              <a:rPr lang="en-US" dirty="0" err="1"/>
               <a:t>Friis</a:t>
             </a:r>
             <a:r>
-              <a:rPr lang="en-US" dirty="0" smtClean="0"/>
+              <a:rPr lang="en-US" dirty="0"/>
               <a:t> formula, find out either</a:t>
             </a:r>
           </a:p>
           <a:p>
             <a:pPr lvl="1"/>
             <a:r>
-              <a:rPr lang="en-US" dirty="0" smtClean="0"/>
+              <a:rPr lang="en-US" dirty="0"/>
               <a:t>Required transmit power given a range</a:t>
             </a:r>
           </a:p>
           <a:p>
             <a:pPr lvl="1"/>
             <a:r>
-              <a:rPr lang="en-US" dirty="0" smtClean="0"/>
+              <a:rPr lang="en-US" dirty="0"/>
               <a:t>Maximum working distance given a transmit power</a:t>
             </a:r>
           </a:p>
           <a:p>
             <a:r>
-              <a:rPr lang="en-US" dirty="0" smtClean="0"/>
+              <a:rPr lang="en-US" dirty="0"/>
               <a:t>Double check the non-linearity! (P1dB, IP3, IP2)</a:t>
             </a:r>
           </a:p>
@@ -4706,13 +4555,6 @@
   <p:clrMapOvr>
     <a:masterClrMapping/>
   </p:clrMapOvr>
-  <p:timing>
-    <p:tnLst>
-      <p:par>
-        <p:cTn id="1" dur="indefinite" restart="never" nodeType="tmRoot"/>
-      </p:par>
-    </p:tnLst>
-  </p:timing>
 </p:sld>
 </file>
 
@@ -4749,10 +4591,9 @@
           <a:lstStyle/>
           <a:p>
             <a:r>
-              <a:rPr lang="en-US" dirty="0" smtClean="0"/>
+              <a:rPr lang="en-US" dirty="0"/>
               <a:t>Outline</a:t>
             </a:r>
-            <a:endParaRPr lang="en-US" dirty="0"/>
           </a:p>
         </p:txBody>
       </p:sp>
@@ -4772,16 +4613,15 @@
           <a:lstStyle/>
           <a:p>
             <a:r>
-              <a:rPr lang="en-US" dirty="0" smtClean="0"/>
+              <a:rPr lang="en-US" dirty="0"/>
               <a:t>Cascade Analysis</a:t>
             </a:r>
           </a:p>
           <a:p>
             <a:r>
-              <a:rPr lang="en-US" dirty="0" smtClean="0"/>
+              <a:rPr lang="en-US" dirty="0"/>
               <a:t>Link budget calculation</a:t>
             </a:r>
-            <a:endParaRPr lang="en-US" dirty="0"/>
           </a:p>
         </p:txBody>
       </p:sp>
@@ -4795,13 +4635,6 @@
   <p:clrMapOvr>
     <a:masterClrMapping/>
   </p:clrMapOvr>
-  <p:timing>
-    <p:tnLst>
-      <p:par>
-        <p:cTn id="1" dur="indefinite" restart="never" nodeType="tmRoot"/>
-      </p:par>
-    </p:tnLst>
-  </p:timing>
 </p:sld>
 </file>
 
@@ -4838,10 +4671,9 @@
           <a:lstStyle/>
           <a:p>
             <a:r>
-              <a:rPr lang="en-US" dirty="0" smtClean="0"/>
+              <a:rPr lang="en-US" dirty="0"/>
               <a:t>Dynamic Range</a:t>
             </a:r>
-            <a:endParaRPr lang="en-US" dirty="0"/>
           </a:p>
         </p:txBody>
       </p:sp>
@@ -4861,10 +4693,9 @@
           <a:lstStyle/>
           <a:p>
             <a:r>
-              <a:rPr lang="en-US" dirty="0" smtClean="0"/>
+              <a:rPr lang="en-US" dirty="0"/>
               <a:t> Dynamic range determined by noise and non-linearity</a:t>
             </a:r>
-            <a:endParaRPr lang="en-US" dirty="0"/>
           </a:p>
         </p:txBody>
       </p:sp>
@@ -4910,13 +4741,6 @@
   <p:clrMapOvr>
     <a:masterClrMapping/>
   </p:clrMapOvr>
-  <p:timing>
-    <p:tnLst>
-      <p:par>
-        <p:cTn id="1" dur="indefinite" restart="never" nodeType="tmRoot"/>
-      </p:par>
-    </p:tnLst>
-  </p:timing>
 </p:sld>
 </file>
 
@@ -4953,10 +4777,9 @@
           <a:lstStyle/>
           <a:p>
             <a:r>
-              <a:rPr lang="en-US" dirty="0" smtClean="0"/>
+              <a:rPr lang="en-US" dirty="0"/>
               <a:t>Noise</a:t>
             </a:r>
-            <a:endParaRPr lang="en-US" dirty="0"/>
           </a:p>
         </p:txBody>
       </p:sp>
@@ -4976,7 +4799,7 @@
           <a:lstStyle/>
           <a:p>
             <a:r>
-              <a:rPr lang="en-US" dirty="0" smtClean="0"/>
+              <a:rPr lang="en-US" dirty="0"/>
               <a:t> Noise temperature</a:t>
             </a:r>
           </a:p>
@@ -4984,7 +4807,7 @@
             <a:endParaRPr lang="en-US" dirty="0"/>
           </a:p>
           <a:p>
-            <a:endParaRPr lang="en-US" dirty="0" smtClean="0"/>
+            <a:endParaRPr lang="en-US" dirty="0"/>
           </a:p>
           <a:p>
             <a:endParaRPr lang="en-US" dirty="0"/>
@@ -5001,13 +4824,8 @@
           <a:p>
             <a:r>
               <a:rPr lang="en-US" dirty="0"/>
-              <a:t> </a:t>
-            </a:r>
-            <a:r>
-              <a:rPr lang="en-US" dirty="0" smtClean="0"/>
-              <a:t>Noise figure</a:t>
-            </a:r>
-            <a:endParaRPr lang="en-US" dirty="0"/>
+              <a:t> Noise figure</a:t>
+            </a:r>
           </a:p>
         </p:txBody>
       </p:sp>
@@ -5093,7 +4911,7 @@
           <a:graphicData uri="http://schemas.openxmlformats.org/presentationml/2006/ole">
             <mc:AlternateContent xmlns:mc="http://schemas.openxmlformats.org/markup-compatibility/2006">
               <mc:Choice xmlns:v="urn:schemas-microsoft-com:vml" Requires="v">
-                <p:oleObj spid="_x0000_s17436" name="Equation" r:id="rId5" imgW="2501640" imgH="431640" progId="Equation.3">
+                <p:oleObj spid="_x0000_s17438" name="Equation" r:id="rId5" imgW="2501640" imgH="431640" progId="Equation.3">
                   <p:embed/>
                 </p:oleObj>
               </mc:Choice>
@@ -5161,7 +4979,7 @@
           <a:graphicData uri="http://schemas.openxmlformats.org/presentationml/2006/ole">
             <mc:AlternateContent xmlns:mc="http://schemas.openxmlformats.org/markup-compatibility/2006">
               <mc:Choice xmlns:v="urn:schemas-microsoft-com:vml" Requires="v">
-                <p:oleObj spid="_x0000_s17437" name="Equation" r:id="rId7" imgW="825480" imgH="228600" progId="Equation.3">
+                <p:oleObj spid="_x0000_s17439" name="Equation" r:id="rId7" imgW="825480" imgH="228600" progId="Equation.3">
                   <p:embed/>
                 </p:oleObj>
               </mc:Choice>
@@ -5217,13 +5035,6 @@
   <p:clrMapOvr>
     <a:masterClrMapping/>
   </p:clrMapOvr>
-  <p:timing>
-    <p:tnLst>
-      <p:par>
-        <p:cTn id="1" dur="indefinite" restart="never" nodeType="tmRoot"/>
-      </p:par>
-    </p:tnLst>
-  </p:timing>
 </p:sld>
 </file>
 
@@ -5260,10 +5071,9 @@
           <a:lstStyle/>
           <a:p>
             <a:r>
-              <a:rPr lang="en-US" dirty="0" smtClean="0"/>
+              <a:rPr lang="en-US" dirty="0"/>
               <a:t>Non-linearity</a:t>
             </a:r>
-            <a:endParaRPr lang="en-US" dirty="0"/>
           </a:p>
         </p:txBody>
       </p:sp>
@@ -5315,7 +5125,7 @@
               <a:defRPr/>
             </a:pPr>
             <a:r>
-              <a:rPr kumimoji="0" lang="en-US" sz="3000" i="0" u="none" strike="noStrike" kern="0" cap="none" spc="0" normalizeH="0" baseline="0" noProof="0" dirty="0" smtClean="0">
+              <a:rPr kumimoji="0" lang="en-US" sz="3000" i="0" u="none" strike="noStrike" kern="0" cap="none" spc="0" normalizeH="0" baseline="0" noProof="0" dirty="0">
                 <a:ln>
                   <a:noFill/>
                 </a:ln>
@@ -5331,20 +5141,6 @@
               </a:rPr>
               <a:t> Let </a:t>
             </a:r>
-            <a:endParaRPr kumimoji="0" lang="en-US" sz="3000" i="0" u="none" strike="noStrike" kern="0" cap="none" spc="0" normalizeH="0" baseline="0" noProof="0" dirty="0">
-              <a:ln>
-                <a:noFill/>
-              </a:ln>
-              <a:solidFill>
-                <a:srgbClr val="002062"/>
-              </a:solidFill>
-              <a:effectLst/>
-              <a:uLnTx/>
-              <a:uFillTx/>
-              <a:latin typeface="+mn-lt"/>
-              <a:ea typeface="+mn-ea"/>
-              <a:cs typeface="+mn-cs"/>
-            </a:endParaRPr>
           </a:p>
         </p:txBody>
       </p:sp>
@@ -5370,7 +5166,7 @@
           <a:graphicData uri="http://schemas.openxmlformats.org/presentationml/2006/ole">
             <mc:AlternateContent xmlns:mc="http://schemas.openxmlformats.org/markup-compatibility/2006">
               <mc:Choice xmlns:v="urn:schemas-microsoft-com:vml" Requires="v">
-                <p:oleObj spid="_x0000_s18460" name="Equation" r:id="rId3" imgW="876240" imgH="228600" progId="Equation.DSMT4">
+                <p:oleObj spid="_x0000_s18462" name="Equation" r:id="rId3" imgW="876240" imgH="228600" progId="Equation.DSMT4">
                   <p:embed/>
                 </p:oleObj>
               </mc:Choice>
@@ -5446,7 +5242,7 @@
           <a:graphicData uri="http://schemas.openxmlformats.org/presentationml/2006/ole">
             <mc:AlternateContent xmlns:mc="http://schemas.openxmlformats.org/markup-compatibility/2006">
               <mc:Choice xmlns:v="urn:schemas-microsoft-com:vml" Requires="v">
-                <p:oleObj spid="_x0000_s18461" name="Equation" r:id="rId5" imgW="5003640" imgH="711000" progId="Equation.DSMT4">
+                <p:oleObj spid="_x0000_s18463" name="Equation" r:id="rId5" imgW="5003640" imgH="711000" progId="Equation.DSMT4">
                   <p:embed/>
                 </p:oleObj>
               </mc:Choice>
@@ -6100,13 +5896,6 @@
   <p:clrMapOvr>
     <a:masterClrMapping/>
   </p:clrMapOvr>
-  <p:timing>
-    <p:tnLst>
-      <p:par>
-        <p:cTn id="1" dur="indefinite" restart="never" nodeType="tmRoot"/>
-      </p:par>
-    </p:tnLst>
-  </p:timing>
 </p:sld>
 </file>
 
@@ -6143,10 +5932,9 @@
           <a:lstStyle/>
           <a:p>
             <a:r>
-              <a:rPr lang="en-US" dirty="0" smtClean="0"/>
+              <a:rPr lang="en-US" dirty="0"/>
               <a:t>Gain Compression</a:t>
             </a:r>
-            <a:endParaRPr lang="en-US" dirty="0"/>
           </a:p>
         </p:txBody>
       </p:sp>
@@ -6174,44 +5962,43 @@
           <a:lstStyle/>
           <a:p>
             <a:r>
-              <a:rPr lang="en-US" dirty="0" smtClean="0"/>
+              <a:rPr lang="en-US" dirty="0"/>
               <a:t> P</a:t>
             </a:r>
             <a:r>
-              <a:rPr lang="en-US" baseline="-25000" dirty="0" smtClean="0"/>
+              <a:rPr lang="en-US" baseline="-25000" dirty="0"/>
               <a:t>1dB</a:t>
             </a:r>
             <a:r>
-              <a:rPr lang="en-US" dirty="0" smtClean="0"/>
+              <a:rPr lang="en-US" dirty="0"/>
               <a:t>: </a:t>
             </a:r>
             <a:r>
-              <a:rPr lang="en-US" b="0" dirty="0" smtClean="0"/>
+              <a:rPr lang="en-US" b="0" dirty="0"/>
               <a:t>power at 1-dB compression</a:t>
             </a:r>
           </a:p>
           <a:p>
             <a:r>
-              <a:rPr lang="en-US" dirty="0" smtClean="0"/>
+              <a:rPr lang="en-US" dirty="0"/>
               <a:t> </a:t>
             </a:r>
             <a:r>
-              <a:rPr lang="en-US" dirty="0" err="1" smtClean="0"/>
+              <a:rPr lang="en-US" dirty="0" err="1"/>
               <a:t>P</a:t>
             </a:r>
             <a:r>
-              <a:rPr lang="en-US" baseline="-25000" dirty="0" err="1" smtClean="0"/>
+              <a:rPr lang="en-US" baseline="-25000" dirty="0" err="1"/>
               <a:t>sat</a:t>
             </a:r>
             <a:r>
-              <a:rPr lang="en-US" dirty="0" smtClean="0"/>
+              <a:rPr lang="en-US" dirty="0"/>
               <a:t>: </a:t>
             </a:r>
             <a:r>
-              <a:rPr lang="en-US" b="0" dirty="0" smtClean="0"/>
+              <a:rPr lang="en-US" b="0" dirty="0"/>
               <a:t>power at saturation</a:t>
             </a:r>
-            <a:endParaRPr lang="en-US" b="0" dirty="0"/>
           </a:p>
         </p:txBody>
       </p:sp>
@@ -6270,7 +6057,7 @@
           <a:lstStyle/>
           <a:p>
             <a:r>
-              <a:rPr lang="en-US" b="1" i="1" dirty="0" err="1" smtClean="0">
+              <a:rPr lang="en-US" b="1" i="1" dirty="0" err="1">
                 <a:solidFill>
                   <a:srgbClr val="000000"/>
                 </a:solidFill>
@@ -6280,7 +6067,7 @@
               <a:t>P</a:t>
             </a:r>
             <a:r>
-              <a:rPr lang="en-US" b="1" i="1" baseline="-25000" dirty="0" err="1" smtClean="0">
+              <a:rPr lang="en-US" b="1" i="1" baseline="-25000" dirty="0" err="1">
                 <a:solidFill>
                   <a:srgbClr val="000000"/>
                 </a:solidFill>
@@ -6289,7 +6076,7 @@
               </a:rPr>
               <a:t>sat</a:t>
             </a:r>
-            <a:endParaRPr lang="en-US" b="1" i="1" baseline="-25000" dirty="0" smtClean="0">
+            <a:endParaRPr lang="en-US" b="1" i="1" baseline="-25000" dirty="0">
               <a:solidFill>
                 <a:srgbClr val="000000"/>
               </a:solidFill>
@@ -6346,13 +6133,6 @@
   <p:clrMapOvr>
     <a:masterClrMapping/>
   </p:clrMapOvr>
-  <p:timing>
-    <p:tnLst>
-      <p:par>
-        <p:cTn id="1" dur="indefinite" restart="never" nodeType="tmRoot"/>
-      </p:par>
-    </p:tnLst>
-  </p:timing>
 </p:sld>
 </file>
 
@@ -6389,10 +6169,9 @@
           <a:lstStyle/>
           <a:p>
             <a:r>
-              <a:rPr lang="en-US" dirty="0" smtClean="0"/>
+              <a:rPr lang="en-US" dirty="0"/>
               <a:t>IP3</a:t>
             </a:r>
-            <a:endParaRPr lang="en-US" dirty="0"/>
           </a:p>
         </p:txBody>
       </p:sp>
@@ -6497,13 +6276,6 @@
   <p:clrMapOvr>
     <a:masterClrMapping/>
   </p:clrMapOvr>
-  <p:timing>
-    <p:tnLst>
-      <p:par>
-        <p:cTn id="1" dur="indefinite" restart="never" nodeType="tmRoot"/>
-      </p:par>
-    </p:tnLst>
-  </p:timing>
 </p:sld>
 </file>
 
@@ -6542,10 +6314,9 @@
           <a:lstStyle/>
           <a:p>
             <a:r>
-              <a:rPr lang="en-US" dirty="0" smtClean="0"/>
+              <a:rPr lang="en-US" dirty="0"/>
               <a:t>Cascade Blocks</a:t>
             </a:r>
-            <a:endParaRPr lang="en-US" dirty="0"/>
           </a:p>
         </p:txBody>
       </p:sp>
@@ -6570,16 +6341,16 @@
           <a:lstStyle/>
           <a:p>
             <a:r>
-              <a:rPr lang="en-US" sz="2400" dirty="0" smtClean="0"/>
+              <a:rPr lang="en-US" sz="2400" dirty="0"/>
               <a:t> Gain</a:t>
             </a:r>
           </a:p>
           <a:p>
-            <a:endParaRPr lang="en-US" sz="2400" dirty="0" smtClean="0"/>
-          </a:p>
-          <a:p>
-            <a:r>
-              <a:rPr lang="en-US" sz="2400" dirty="0" smtClean="0"/>
+            <a:endParaRPr lang="en-US" sz="2400" dirty="0"/>
+          </a:p>
+          <a:p>
+            <a:r>
+              <a:rPr lang="en-US" sz="2400" dirty="0"/>
               <a:t> Noise Figure/Temperature</a:t>
             </a:r>
           </a:p>
@@ -6587,17 +6358,16 @@
             <a:endParaRPr lang="en-US" sz="2400" dirty="0"/>
           </a:p>
           <a:p>
-            <a:endParaRPr lang="en-US" sz="2400" dirty="0" smtClean="0"/>
-          </a:p>
-          <a:p>
-            <a:endParaRPr lang="en-US" sz="2400" dirty="0" smtClean="0"/>
-          </a:p>
-          <a:p>
-            <a:r>
-              <a:rPr lang="en-US" sz="2400" dirty="0" smtClean="0"/>
+            <a:endParaRPr lang="en-US" sz="2400" dirty="0"/>
+          </a:p>
+          <a:p>
+            <a:endParaRPr lang="en-US" sz="2400" dirty="0"/>
+          </a:p>
+          <a:p>
+            <a:r>
+              <a:rPr lang="en-US" sz="2400" dirty="0"/>
               <a:t>IP3</a:t>
             </a:r>
-            <a:endParaRPr lang="en-US" sz="2400" dirty="0"/>
           </a:p>
         </p:txBody>
       </p:sp>
@@ -6747,13 +6517,6 @@
   <p:clrMapOvr>
     <a:masterClrMapping/>
   </p:clrMapOvr>
-  <p:timing>
-    <p:tnLst>
-      <p:par>
-        <p:cTn id="1" dur="indefinite" restart="never" nodeType="tmRoot"/>
-      </p:par>
-    </p:tnLst>
-  </p:timing>
 </p:sld>
 </file>
 
@@ -6792,10 +6555,9 @@
           <a:lstStyle/>
           <a:p>
             <a:r>
-              <a:rPr lang="en-US" dirty="0" smtClean="0"/>
+              <a:rPr lang="en-US" dirty="0"/>
               <a:t>Simulation Tools for Cascade Analysis</a:t>
             </a:r>
-            <a:endParaRPr lang="en-US" dirty="0"/>
           </a:p>
         </p:txBody>
       </p:sp>
@@ -6815,11 +6577,11 @@
           <a:lstStyle/>
           <a:p>
             <a:r>
-              <a:rPr lang="en-US" dirty="0" smtClean="0"/>
+              <a:rPr lang="en-US" dirty="0"/>
               <a:t> Analog Device </a:t>
             </a:r>
             <a:r>
-              <a:rPr lang="en-US" smtClean="0"/>
+              <a:rPr lang="en-US"/>
               <a:t>ADIsimRF</a:t>
             </a:r>
             <a:endParaRPr lang="en-US" dirty="0"/>
@@ -6860,13 +6622,6 @@
   <p:clrMapOvr>
     <a:masterClrMapping/>
   </p:clrMapOvr>
-  <p:timing>
-    <p:tnLst>
-      <p:par>
-        <p:cTn id="1" dur="indefinite" restart="never" nodeType="tmRoot"/>
-      </p:par>
-    </p:tnLst>
-  </p:timing>
 </p:sld>
 </file>
 
